--- a/__Notes/DistributedCounter.pptx
+++ b/__Notes/DistributedCounter.pptx
@@ -5,39 +5,40 @@
     <p:sldMasterId id="2147483691" r:id="rId1"/>
   </p:sldMasterIdLst>
   <p:notesMasterIdLst>
-    <p:notesMasterId r:id="rId10"/>
+    <p:notesMasterId r:id="rId11"/>
   </p:notesMasterIdLst>
   <p:sldIdLst>
     <p:sldId id="256" r:id="rId2"/>
     <p:sldId id="272" r:id="rId3"/>
     <p:sldId id="273" r:id="rId4"/>
-    <p:sldId id="275" r:id="rId5"/>
-    <p:sldId id="274" r:id="rId6"/>
-    <p:sldId id="276" r:id="rId7"/>
-    <p:sldId id="277" r:id="rId8"/>
-    <p:sldId id="278" r:id="rId9"/>
+    <p:sldId id="279" r:id="rId5"/>
+    <p:sldId id="275" r:id="rId6"/>
+    <p:sldId id="274" r:id="rId7"/>
+    <p:sldId id="276" r:id="rId8"/>
+    <p:sldId id="277" r:id="rId9"/>
+    <p:sldId id="278" r:id="rId10"/>
   </p:sldIdLst>
   <p:sldSz cx="9144000" cy="5143500" type="screen16x9"/>
   <p:notesSz cx="6858000" cy="9144000"/>
   <p:embeddedFontLst>
     <p:embeddedFont>
       <p:font typeface="Calibri" panose="020F0502020204030204" pitchFamily="34" charset="0"/>
-      <p:regular r:id="rId11"/>
-      <p:bold r:id="rId12"/>
-      <p:italic r:id="rId13"/>
-      <p:boldItalic r:id="rId14"/>
+      <p:regular r:id="rId12"/>
+      <p:bold r:id="rId13"/>
+      <p:italic r:id="rId14"/>
+      <p:boldItalic r:id="rId15"/>
     </p:embeddedFont>
     <p:embeddedFont>
       <p:font typeface="Calibri Light" panose="020F0302020204030204" pitchFamily="34" charset="0"/>
-      <p:regular r:id="rId15"/>
-      <p:italic r:id="rId16"/>
+      <p:regular r:id="rId16"/>
+      <p:italic r:id="rId17"/>
     </p:embeddedFont>
     <p:embeddedFont>
       <p:font typeface="Fira Sans" panose="020B0604020202020204" charset="0"/>
-      <p:regular r:id="rId17"/>
-      <p:bold r:id="rId18"/>
-      <p:italic r:id="rId19"/>
-      <p:boldItalic r:id="rId20"/>
+      <p:regular r:id="rId18"/>
+      <p:bold r:id="rId19"/>
+      <p:italic r:id="rId20"/>
+      <p:boldItalic r:id="rId21"/>
     </p:embeddedFont>
   </p:embeddedFontLst>
   <p:defaultTextStyle>
@@ -5548,6 +5549,119 @@
           <p:cNvPr id="2" name="Title 1">
             <a:extLst>
               <a:ext uri="{FF2B5EF4-FFF2-40B4-BE49-F238E27FC236}">
+                <a16:creationId xmlns:a16="http://schemas.microsoft.com/office/drawing/2014/main" id="{34980844-6415-4D02-9106-0A1AF5E166AC}"/>
+              </a:ext>
+            </a:extLst>
+          </p:cNvPr>
+          <p:cNvSpPr>
+            <a:spLocks noGrp="1"/>
+          </p:cNvSpPr>
+          <p:nvPr>
+            <p:ph type="ctrTitle"/>
+          </p:nvPr>
+        </p:nvSpPr>
+        <p:spPr>
+          <a:xfrm>
+            <a:off x="706650" y="111075"/>
+            <a:ext cx="7730700" cy="910116"/>
+          </a:xfrm>
+        </p:spPr>
+        <p:txBody>
+          <a:bodyPr/>
+          <a:lstStyle/>
+          <a:p>
+            <a:r>
+              <a:rPr lang="en-US" dirty="0">
+                <a:latin typeface="Calibri" panose="020F0502020204030204" pitchFamily="34" charset="0"/>
+                <a:cs typeface="Calibri" panose="020F0502020204030204" pitchFamily="34" charset="0"/>
+              </a:rPr>
+              <a:t>Server Architecture</a:t>
+            </a:r>
+          </a:p>
+        </p:txBody>
+      </p:sp>
+      <p:pic>
+        <p:nvPicPr>
+          <p:cNvPr id="1026" name="Picture 2">
+            <a:extLst>
+              <a:ext uri="{FF2B5EF4-FFF2-40B4-BE49-F238E27FC236}">
+                <a16:creationId xmlns:a16="http://schemas.microsoft.com/office/drawing/2014/main" id="{9EFBF10F-F526-4BE2-BCDB-F287EE3AAAF4}"/>
+              </a:ext>
+            </a:extLst>
+          </p:cNvPr>
+          <p:cNvPicPr>
+            <a:picLocks noChangeAspect="1" noChangeArrowheads="1"/>
+          </p:cNvPicPr>
+          <p:nvPr/>
+        </p:nvPicPr>
+        <p:blipFill>
+          <a:blip r:embed="rId2">
+            <a:extLst>
+              <a:ext uri="{28A0092B-C50C-407E-A947-70E740481C1C}">
+                <a14:useLocalDpi xmlns:a14="http://schemas.microsoft.com/office/drawing/2010/main" val="0"/>
+              </a:ext>
+            </a:extLst>
+          </a:blip>
+          <a:srcRect/>
+          <a:stretch>
+            <a:fillRect/>
+          </a:stretch>
+        </p:blipFill>
+        <p:spPr bwMode="auto">
+          <a:xfrm>
+            <a:off x="0" y="1020762"/>
+            <a:ext cx="9144000" cy="4122737"/>
+          </a:xfrm>
+          <a:prstGeom prst="rect">
+            <a:avLst/>
+          </a:prstGeom>
+          <a:noFill/>
+          <a:extLst>
+            <a:ext uri="{909E8E84-426E-40DD-AFC4-6F175D3DCCD1}">
+              <a14:hiddenFill xmlns:a14="http://schemas.microsoft.com/office/drawing/2010/main">
+                <a:solidFill>
+                  <a:srgbClr val="FFFFFF"/>
+                </a:solidFill>
+              </a14:hiddenFill>
+            </a:ext>
+          </a:extLst>
+        </p:spPr>
+      </p:pic>
+    </p:spTree>
+    <p:extLst>
+      <p:ext uri="{BB962C8B-B14F-4D97-AF65-F5344CB8AC3E}">
+        <p14:creationId xmlns:p14="http://schemas.microsoft.com/office/powerpoint/2010/main" val="3315803418"/>
+      </p:ext>
+    </p:extLst>
+  </p:cSld>
+  <p:clrMapOvr>
+    <a:masterClrMapping/>
+  </p:clrMapOvr>
+</p:sld>
+</file>
+
+<file path=ppt/slides/slide5.xml><?xml version="1.0" encoding="utf-8"?>
+<p:sld xmlns:a="http://schemas.openxmlformats.org/drawingml/2006/main" xmlns:r="http://schemas.openxmlformats.org/officeDocument/2006/relationships" xmlns:p="http://schemas.openxmlformats.org/presentationml/2006/main">
+  <p:cSld>
+    <p:spTree>
+      <p:nvGrpSpPr>
+        <p:cNvPr id="1" name=""/>
+        <p:cNvGrpSpPr/>
+        <p:nvPr/>
+      </p:nvGrpSpPr>
+      <p:grpSpPr>
+        <a:xfrm>
+          <a:off x="0" y="0"/>
+          <a:ext cx="0" cy="0"/>
+          <a:chOff x="0" y="0"/>
+          <a:chExt cx="0" cy="0"/>
+        </a:xfrm>
+      </p:grpSpPr>
+      <p:sp>
+        <p:nvSpPr>
+          <p:cNvPr id="2" name="Title 1">
+            <a:extLst>
+              <a:ext uri="{FF2B5EF4-FFF2-40B4-BE49-F238E27FC236}">
                 <a16:creationId xmlns:a16="http://schemas.microsoft.com/office/drawing/2014/main" id="{CB1FED3A-6A4E-47F3-902B-1542C1C8AEBE}"/>
               </a:ext>
             </a:extLst>
@@ -6618,451 +6732,6 @@
 </p:sld>
 </file>
 
-<file path=ppt/slides/slide5.xml><?xml version="1.0" encoding="utf-8"?>
-<p:sld xmlns:a="http://schemas.openxmlformats.org/drawingml/2006/main" xmlns:r="http://schemas.openxmlformats.org/officeDocument/2006/relationships" xmlns:p="http://schemas.openxmlformats.org/presentationml/2006/main">
-  <p:cSld>
-    <p:spTree>
-      <p:nvGrpSpPr>
-        <p:cNvPr id="1" name=""/>
-        <p:cNvGrpSpPr/>
-        <p:nvPr/>
-      </p:nvGrpSpPr>
-      <p:grpSpPr>
-        <a:xfrm>
-          <a:off x="0" y="0"/>
-          <a:ext cx="0" cy="0"/>
-          <a:chOff x="0" y="0"/>
-          <a:chExt cx="0" cy="0"/>
-        </a:xfrm>
-      </p:grpSpPr>
-      <p:sp>
-        <p:nvSpPr>
-          <p:cNvPr id="3" name="Google Shape;104;p24">
-            <a:extLst>
-              <a:ext uri="{FF2B5EF4-FFF2-40B4-BE49-F238E27FC236}">
-                <a16:creationId xmlns:a16="http://schemas.microsoft.com/office/drawing/2014/main" id="{3BB3873D-1379-4D3E-B50B-692C010C18EB}"/>
-              </a:ext>
-            </a:extLst>
-          </p:cNvPr>
-          <p:cNvSpPr txBox="1">
-            <a:spLocks noGrp="1"/>
-          </p:cNvSpPr>
-          <p:nvPr>
-            <p:ph type="ctrTitle"/>
-          </p:nvPr>
-        </p:nvSpPr>
-        <p:spPr>
-          <a:xfrm>
-            <a:off x="706436" y="104138"/>
-            <a:ext cx="7731125" cy="703471"/>
-          </a:xfrm>
-          <a:prstGeom prst="rect">
-            <a:avLst/>
-          </a:prstGeom>
-        </p:spPr>
-        <p:txBody>
-          <a:bodyPr spcFirstLastPara="1" wrap="square" lIns="91425" tIns="91425" rIns="91425" bIns="91425" anchor="t" anchorCtr="0">
-            <a:noAutofit/>
-          </a:bodyPr>
-          <a:lstStyle/>
-          <a:p>
-            <a:pPr marL="0" lvl="0" indent="0" algn="ctr" rtl="0">
-              <a:spcBef>
-                <a:spcPts val="0"/>
-              </a:spcBef>
-              <a:spcAft>
-                <a:spcPts val="0"/>
-              </a:spcAft>
-              <a:buNone/>
-            </a:pPr>
-            <a:r>
-              <a:rPr lang="en" sz="4000" dirty="0">
-                <a:latin typeface="Calibri" panose="020F0502020204030204" pitchFamily="34" charset="0"/>
-                <a:cs typeface="Calibri" panose="020F0502020204030204" pitchFamily="34" charset="0"/>
-              </a:rPr>
-              <a:t>Solution </a:t>
-            </a:r>
-            <a:endParaRPr sz="4000" dirty="0">
-              <a:latin typeface="Calibri" panose="020F0502020204030204" pitchFamily="34" charset="0"/>
-              <a:cs typeface="Calibri" panose="020F0502020204030204" pitchFamily="34" charset="0"/>
-            </a:endParaRPr>
-          </a:p>
-        </p:txBody>
-      </p:sp>
-      <p:sp>
-        <p:nvSpPr>
-          <p:cNvPr id="6" name="TextBox 5">
-            <a:extLst>
-              <a:ext uri="{FF2B5EF4-FFF2-40B4-BE49-F238E27FC236}">
-                <a16:creationId xmlns:a16="http://schemas.microsoft.com/office/drawing/2014/main" id="{78D43C64-9B09-476F-8BF4-23AFB1047CE0}"/>
-              </a:ext>
-            </a:extLst>
-          </p:cNvPr>
-          <p:cNvSpPr txBox="1"/>
-          <p:nvPr/>
-        </p:nvSpPr>
-        <p:spPr>
-          <a:xfrm>
-            <a:off x="706437" y="807609"/>
-            <a:ext cx="7731124" cy="3857466"/>
-          </a:xfrm>
-          <a:prstGeom prst="rect">
-            <a:avLst/>
-          </a:prstGeom>
-          <a:noFill/>
-        </p:spPr>
-        <p:txBody>
-          <a:bodyPr wrap="square" rtlCol="0">
-            <a:spAutoFit/>
-          </a:bodyPr>
-          <a:lstStyle/>
-          <a:p>
-            <a:pPr rtl="0" fontAlgn="base">
-              <a:spcBef>
-                <a:spcPts val="0"/>
-              </a:spcBef>
-              <a:spcAft>
-                <a:spcPts val="0"/>
-              </a:spcAft>
-            </a:pPr>
-            <a:r>
-              <a:rPr lang="en-US" sz="1400" b="0" i="0" u="none" strike="noStrike" dirty="0">
-                <a:solidFill>
-                  <a:srgbClr val="FFFFFF"/>
-                </a:solidFill>
-                <a:effectLst/>
-                <a:latin typeface="Calibri" panose="020F0502020204030204" pitchFamily="34" charset="0"/>
-                <a:cs typeface="Calibri" panose="020F0502020204030204" pitchFamily="34" charset="0"/>
-              </a:rPr>
-              <a:t>Application Server will use In Memory Storage </a:t>
-            </a:r>
-            <a:endParaRPr lang="en-US" sz="1400" dirty="0">
-              <a:solidFill>
-                <a:srgbClr val="FFFFFF"/>
-              </a:solidFill>
-              <a:latin typeface="Calibri" panose="020F0502020204030204" pitchFamily="34" charset="0"/>
-              <a:cs typeface="Calibri" panose="020F0502020204030204" pitchFamily="34" charset="0"/>
-            </a:endParaRPr>
-          </a:p>
-          <a:p>
-            <a:pPr marL="285750" indent="-285750" rtl="0" fontAlgn="base">
-              <a:spcBef>
-                <a:spcPts val="0"/>
-              </a:spcBef>
-              <a:spcAft>
-                <a:spcPts val="0"/>
-              </a:spcAft>
-              <a:buFont typeface="Arial" panose="020B0604020202020204" pitchFamily="34" charset="0"/>
-              <a:buChar char="•"/>
-            </a:pPr>
-            <a:r>
-              <a:rPr lang="en-US" sz="1400" b="0" i="0" u="none" strike="noStrike" dirty="0">
-                <a:solidFill>
-                  <a:srgbClr val="FFFFFF"/>
-                </a:solidFill>
-                <a:effectLst/>
-                <a:latin typeface="Calibri" panose="020F0502020204030204" pitchFamily="34" charset="0"/>
-                <a:cs typeface="Calibri" panose="020F0502020204030204" pitchFamily="34" charset="0"/>
-              </a:rPr>
-              <a:t>Data Model: Counter id (K): Single Variable (Approach 1) or List of integers (V) (Approach 2)</a:t>
-            </a:r>
-          </a:p>
-          <a:p>
-            <a:pPr rtl="0" fontAlgn="base">
-              <a:spcBef>
-                <a:spcPts val="0"/>
-              </a:spcBef>
-              <a:spcAft>
-                <a:spcPts val="0"/>
-              </a:spcAft>
-            </a:pPr>
-            <a:r>
-              <a:rPr lang="en-US" sz="1400" b="0" i="0" u="none" strike="noStrike" dirty="0">
-                <a:solidFill>
-                  <a:srgbClr val="FFFFFF"/>
-                </a:solidFill>
-                <a:effectLst/>
-                <a:latin typeface="Calibri" panose="020F0502020204030204" pitchFamily="34" charset="0"/>
-                <a:cs typeface="Calibri" panose="020F0502020204030204" pitchFamily="34" charset="0"/>
-              </a:rPr>
-              <a:t>Storage System: In point memory storage with checkpoints occasionally for disaster recovery</a:t>
-            </a:r>
-          </a:p>
-          <a:p>
-            <a:pPr fontAlgn="base"/>
-            <a:r>
-              <a:rPr lang="en-US" sz="1600" b="1" dirty="0">
-                <a:solidFill>
-                  <a:schemeClr val="bg1"/>
-                </a:solidFill>
-                <a:latin typeface="Calibri" panose="020F0502020204030204" pitchFamily="34" charset="0"/>
-                <a:cs typeface="Calibri" panose="020F0502020204030204" pitchFamily="34" charset="0"/>
-              </a:rPr>
-              <a:t>APIs</a:t>
-            </a:r>
-            <a:endParaRPr lang="en-US" sz="1600" b="1" i="0" u="none" strike="noStrike" dirty="0">
-              <a:solidFill>
-                <a:srgbClr val="FFFFFF"/>
-              </a:solidFill>
-              <a:effectLst/>
-              <a:latin typeface="Calibri" panose="020F0502020204030204" pitchFamily="34" charset="0"/>
-              <a:cs typeface="Calibri" panose="020F0502020204030204" pitchFamily="34" charset="0"/>
-            </a:endParaRPr>
-          </a:p>
-          <a:p>
-            <a:pPr rtl="0" fontAlgn="base">
-              <a:spcBef>
-                <a:spcPts val="0"/>
-              </a:spcBef>
-              <a:spcAft>
-                <a:spcPts val="1600"/>
-              </a:spcAft>
-            </a:pPr>
-            <a:r>
-              <a:rPr lang="en-US" sz="1400" b="0" i="0" u="none" strike="noStrike" dirty="0">
-                <a:solidFill>
-                  <a:srgbClr val="FFFFFF"/>
-                </a:solidFill>
-                <a:effectLst/>
-                <a:latin typeface="Calibri" panose="020F0502020204030204" pitchFamily="34" charset="0"/>
-                <a:cs typeface="Calibri" panose="020F0502020204030204" pitchFamily="34" charset="0"/>
-              </a:rPr>
-              <a:t>All APIs are handled through in-memory storage. API Signature</a:t>
-            </a:r>
-          </a:p>
-          <a:p>
-            <a:pPr marL="914400" lvl="1" indent="-317500" algn="l" rtl="0">
-              <a:spcBef>
-                <a:spcPts val="0"/>
-              </a:spcBef>
-              <a:spcAft>
-                <a:spcPts val="0"/>
-              </a:spcAft>
-              <a:buSzPts val="1400"/>
-              <a:buChar char="○"/>
-            </a:pPr>
-            <a:r>
-              <a:rPr lang="en-US" sz="1400" dirty="0" err="1">
-                <a:solidFill>
-                  <a:schemeClr val="bg1"/>
-                </a:solidFill>
-                <a:latin typeface="Calibri" panose="020F0502020204030204" pitchFamily="34" charset="0"/>
-                <a:cs typeface="Calibri" panose="020F0502020204030204" pitchFamily="34" charset="0"/>
-              </a:rPr>
-              <a:t>IncrementCounter</a:t>
-            </a:r>
-            <a:r>
-              <a:rPr lang="en-US" sz="1400" dirty="0">
-                <a:solidFill>
-                  <a:schemeClr val="bg1"/>
-                </a:solidFill>
-                <a:latin typeface="Calibri" panose="020F0502020204030204" pitchFamily="34" charset="0"/>
-                <a:cs typeface="Calibri" panose="020F0502020204030204" pitchFamily="34" charset="0"/>
-              </a:rPr>
-              <a:t>: Hash on one of the entries in the list and increment (Single Variable is simple)</a:t>
-            </a:r>
-          </a:p>
-          <a:p>
-            <a:pPr marL="914400" lvl="1" indent="-317500" algn="l" rtl="0">
-              <a:spcBef>
-                <a:spcPts val="0"/>
-              </a:spcBef>
-              <a:spcAft>
-                <a:spcPts val="0"/>
-              </a:spcAft>
-              <a:buSzPts val="1400"/>
-              <a:buChar char="○"/>
-            </a:pPr>
-            <a:r>
-              <a:rPr lang="en-US" sz="1400" dirty="0" err="1">
-                <a:solidFill>
-                  <a:schemeClr val="bg1"/>
-                </a:solidFill>
-                <a:latin typeface="Calibri" panose="020F0502020204030204" pitchFamily="34" charset="0"/>
-                <a:cs typeface="Calibri" panose="020F0502020204030204" pitchFamily="34" charset="0"/>
-              </a:rPr>
-              <a:t>ReadCounter</a:t>
-            </a:r>
-            <a:r>
-              <a:rPr lang="en-US" sz="1400" dirty="0">
-                <a:solidFill>
-                  <a:schemeClr val="bg1"/>
-                </a:solidFill>
-                <a:latin typeface="Calibri" panose="020F0502020204030204" pitchFamily="34" charset="0"/>
-                <a:cs typeface="Calibri" panose="020F0502020204030204" pitchFamily="34" charset="0"/>
-              </a:rPr>
-              <a:t>: Sum total of integer entries in the list</a:t>
-            </a:r>
-            <a:endParaRPr lang="en-US" sz="1400" b="0" i="0" u="none" strike="noStrike" dirty="0">
-              <a:solidFill>
-                <a:srgbClr val="FFFFFF"/>
-              </a:solidFill>
-              <a:effectLst/>
-              <a:latin typeface="Calibri" panose="020F0502020204030204" pitchFamily="34" charset="0"/>
-              <a:cs typeface="Calibri" panose="020F0502020204030204" pitchFamily="34" charset="0"/>
-            </a:endParaRPr>
-          </a:p>
-          <a:p>
-            <a:pPr rtl="0" fontAlgn="base">
-              <a:spcBef>
-                <a:spcPts val="0"/>
-              </a:spcBef>
-              <a:spcAft>
-                <a:spcPts val="1600"/>
-              </a:spcAft>
-            </a:pPr>
-            <a:r>
-              <a:rPr lang="en-US" sz="2000" b="1" dirty="0">
-                <a:solidFill>
-                  <a:srgbClr val="FFFFFF"/>
-                </a:solidFill>
-                <a:latin typeface="Calibri" panose="020F0502020204030204" pitchFamily="34" charset="0"/>
-                <a:cs typeface="Calibri" panose="020F0502020204030204" pitchFamily="34" charset="0"/>
-              </a:rPr>
-              <a:t>Thoughts on Scalability</a:t>
-            </a:r>
-          </a:p>
-          <a:p>
-            <a:pPr rtl="0" fontAlgn="base">
-              <a:spcBef>
-                <a:spcPts val="0"/>
-              </a:spcBef>
-              <a:spcAft>
-                <a:spcPts val="1600"/>
-              </a:spcAft>
-            </a:pPr>
-            <a:r>
-              <a:rPr lang="en-US" sz="1400" i="0" u="none" strike="noStrike" dirty="0">
-                <a:solidFill>
-                  <a:srgbClr val="FFFFFF"/>
-                </a:solidFill>
-                <a:effectLst/>
-                <a:latin typeface="Calibri" panose="020F0502020204030204" pitchFamily="34" charset="0"/>
-                <a:cs typeface="Calibri" panose="020F0502020204030204" pitchFamily="34" charset="0"/>
-              </a:rPr>
-              <a:t>Need to scale for API parallelization – Yes</a:t>
-            </a:r>
-            <a:br>
-              <a:rPr lang="en-US" sz="1400" i="0" u="none" strike="noStrike" dirty="0">
-                <a:solidFill>
-                  <a:srgbClr val="FFFFFF"/>
-                </a:solidFill>
-                <a:effectLst/>
-                <a:latin typeface="Calibri" panose="020F0502020204030204" pitchFamily="34" charset="0"/>
-                <a:cs typeface="Calibri" panose="020F0502020204030204" pitchFamily="34" charset="0"/>
-              </a:rPr>
-            </a:br>
-            <a:r>
-              <a:rPr lang="en-US" sz="1400" i="0" u="none" strike="noStrike" dirty="0">
-                <a:solidFill>
-                  <a:srgbClr val="FFFFFF"/>
-                </a:solidFill>
-                <a:effectLst/>
-                <a:latin typeface="Calibri" panose="020F0502020204030204" pitchFamily="34" charset="0"/>
-                <a:cs typeface="Calibri" panose="020F0502020204030204" pitchFamily="34" charset="0"/>
-              </a:rPr>
-              <a:t>Read is an O(N) algorithm</a:t>
-            </a:r>
-            <a:br>
-              <a:rPr lang="en-US" sz="1400" i="0" u="none" strike="noStrike" dirty="0">
-                <a:solidFill>
-                  <a:srgbClr val="FFFFFF"/>
-                </a:solidFill>
-                <a:effectLst/>
-                <a:latin typeface="Calibri" panose="020F0502020204030204" pitchFamily="34" charset="0"/>
-                <a:cs typeface="Calibri" panose="020F0502020204030204" pitchFamily="34" charset="0"/>
-              </a:rPr>
-            </a:br>
-            <a:r>
-              <a:rPr lang="en-US" sz="1400" b="0" i="0" u="none" strike="noStrike" dirty="0">
-                <a:solidFill>
-                  <a:srgbClr val="FFFFFF"/>
-                </a:solidFill>
-                <a:effectLst/>
-                <a:latin typeface="Calibri" panose="020F0502020204030204" pitchFamily="34" charset="0"/>
-                <a:cs typeface="Calibri" panose="020F0502020204030204" pitchFamily="34" charset="0"/>
-              </a:rPr>
-              <a:t>Need to scale for throughput – Yes</a:t>
-            </a:r>
-            <a:br>
-              <a:rPr lang="en-US" sz="1400" b="0" i="0" u="none" strike="noStrike" dirty="0">
-                <a:solidFill>
-                  <a:srgbClr val="FFFFFF"/>
-                </a:solidFill>
-                <a:effectLst/>
-                <a:latin typeface="Calibri" panose="020F0502020204030204" pitchFamily="34" charset="0"/>
-                <a:cs typeface="Calibri" panose="020F0502020204030204" pitchFamily="34" charset="0"/>
-              </a:rPr>
-            </a:br>
-            <a:r>
-              <a:rPr lang="en-US" sz="1400" b="0" i="0" u="none" strike="noStrike" dirty="0">
-                <a:solidFill>
-                  <a:srgbClr val="FFFFFF"/>
-                </a:solidFill>
-                <a:effectLst/>
-                <a:latin typeface="Calibri" panose="020F0502020204030204" pitchFamily="34" charset="0"/>
-                <a:cs typeface="Calibri" panose="020F0502020204030204" pitchFamily="34" charset="0"/>
-              </a:rPr>
-              <a:t>Need to scale for API parallelization – No</a:t>
-            </a:r>
-            <a:br>
-              <a:rPr lang="en-US" sz="1400" b="0" i="0" u="none" strike="noStrike" dirty="0">
-                <a:solidFill>
-                  <a:srgbClr val="FFFFFF"/>
-                </a:solidFill>
-                <a:effectLst/>
-                <a:latin typeface="Calibri" panose="020F0502020204030204" pitchFamily="34" charset="0"/>
-                <a:cs typeface="Calibri" panose="020F0502020204030204" pitchFamily="34" charset="0"/>
-              </a:rPr>
-            </a:br>
-            <a:r>
-              <a:rPr lang="en-US" sz="1400" b="0" i="0" u="none" strike="noStrike" dirty="0">
-                <a:solidFill>
-                  <a:srgbClr val="FFFFFF"/>
-                </a:solidFill>
-                <a:effectLst/>
-                <a:latin typeface="Calibri" panose="020F0502020204030204" pitchFamily="34" charset="0"/>
-                <a:cs typeface="Calibri" panose="020F0502020204030204" pitchFamily="34" charset="0"/>
-              </a:rPr>
-              <a:t>Availability – yes</a:t>
-            </a:r>
-            <a:br>
-              <a:rPr lang="en-US" sz="1400" b="0" i="0" u="none" strike="noStrike" dirty="0">
-                <a:solidFill>
-                  <a:srgbClr val="FFFFFF"/>
-                </a:solidFill>
-                <a:effectLst/>
-                <a:latin typeface="Calibri" panose="020F0502020204030204" pitchFamily="34" charset="0"/>
-                <a:cs typeface="Calibri" panose="020F0502020204030204" pitchFamily="34" charset="0"/>
-              </a:rPr>
-            </a:br>
-            <a:r>
-              <a:rPr lang="en-US" sz="1400" b="0" i="0" u="none" strike="noStrike" dirty="0">
-                <a:solidFill>
-                  <a:srgbClr val="FFFFFF"/>
-                </a:solidFill>
-                <a:effectLst/>
-                <a:latin typeface="Calibri" panose="020F0502020204030204" pitchFamily="34" charset="0"/>
-                <a:cs typeface="Calibri" panose="020F0502020204030204" pitchFamily="34" charset="0"/>
-              </a:rPr>
-              <a:t>Geo-distribution - N/A</a:t>
-            </a:r>
-          </a:p>
-        </p:txBody>
-      </p:sp>
-    </p:spTree>
-    <p:extLst>
-      <p:ext uri="{BB962C8B-B14F-4D97-AF65-F5344CB8AC3E}">
-        <p14:creationId xmlns:p14="http://schemas.microsoft.com/office/powerpoint/2010/main" val="1525271012"/>
-      </p:ext>
-    </p:extLst>
-  </p:cSld>
-  <p:clrMapOvr>
-    <a:masterClrMapping/>
-  </p:clrMapOvr>
-</p:sld>
-</file>
-
 <file path=ppt/slides/slide6.xml><?xml version="1.0" encoding="utf-8"?>
 <p:sld xmlns:a="http://schemas.openxmlformats.org/drawingml/2006/main" xmlns:r="http://schemas.openxmlformats.org/officeDocument/2006/relationships" xmlns:p="http://schemas.openxmlformats.org/presentationml/2006/main">
   <p:cSld>
@@ -7125,7 +6794,7 @@
                 <a:latin typeface="Calibri" panose="020F0502020204030204" pitchFamily="34" charset="0"/>
                 <a:cs typeface="Calibri" panose="020F0502020204030204" pitchFamily="34" charset="0"/>
               </a:rPr>
-              <a:t>Conflict Free Related Data Type</a:t>
+              <a:t>Solution </a:t>
             </a:r>
             <a:endParaRPr sz="4000" dirty="0">
               <a:latin typeface="Calibri" panose="020F0502020204030204" pitchFamily="34" charset="0"/>
@@ -7149,7 +6818,7 @@
         <p:spPr>
           <a:xfrm>
             <a:off x="706437" y="807609"/>
-            <a:ext cx="7731124" cy="4052391"/>
+            <a:ext cx="7731124" cy="3857466"/>
           </a:xfrm>
           <a:prstGeom prst="rect">
             <a:avLst/>
@@ -7167,37 +6836,30 @@
                 <a:spcPts val="0"/>
               </a:spcBef>
               <a:spcAft>
-                <a:spcPts val="1600"/>
+                <a:spcPts val="0"/>
               </a:spcAft>
             </a:pPr>
             <a:r>
-              <a:rPr lang="en-US" sz="1200" b="0" i="0" u="none" strike="noStrike" dirty="0">
+              <a:rPr lang="en-US" sz="1400" b="0" i="0" u="none" strike="noStrike" dirty="0">
                 <a:solidFill>
                   <a:srgbClr val="FFFFFF"/>
                 </a:solidFill>
                 <a:effectLst/>
-                <a:latin typeface="Fira Sans" panose="020B0604020202020204" charset="0"/>
-              </a:rPr>
-              <a:t>Each replica maintains a vector of counts</a:t>
-            </a:r>
-            <a:br>
-              <a:rPr lang="en-US" sz="1600" b="0" dirty="0">
-                <a:effectLst/>
-              </a:rPr>
-            </a:br>
-            <a:r>
-              <a:rPr lang="en-US" sz="1200" b="0" i="0" u="none" strike="noStrike" dirty="0">
-                <a:solidFill>
-                  <a:srgbClr val="FFFFFF"/>
-                </a:solidFill>
-                <a:effectLst/>
-                <a:latin typeface="Fira Sans" panose="020B0604020202020204" charset="0"/>
-              </a:rPr>
-              <a:t>Let’s assume there are 7 replicas</a:t>
-            </a:r>
-          </a:p>
-          <a:p>
-            <a:pPr marL="742950" lvl="1" indent="-285750" rtl="0" fontAlgn="base">
+                <a:latin typeface="Calibri" panose="020F0502020204030204" pitchFamily="34" charset="0"/>
+                <a:cs typeface="Calibri" panose="020F0502020204030204" pitchFamily="34" charset="0"/>
+              </a:rPr>
+              <a:t>Application Server will use In Memory Storage </a:t>
+            </a:r>
+            <a:endParaRPr lang="en-US" sz="1400" dirty="0">
+              <a:solidFill>
+                <a:srgbClr val="FFFFFF"/>
+              </a:solidFill>
+              <a:latin typeface="Calibri" panose="020F0502020204030204" pitchFamily="34" charset="0"/>
+              <a:cs typeface="Calibri" panose="020F0502020204030204" pitchFamily="34" charset="0"/>
+            </a:endParaRPr>
+          </a:p>
+          <a:p>
+            <a:pPr marL="285750" indent="-285750" rtl="0" fontAlgn="base">
               <a:spcBef>
                 <a:spcPts val="0"/>
               </a:spcBef>
@@ -7208,150 +6870,57 @@
               <a:buChar char="•"/>
             </a:pPr>
             <a:r>
-              <a:rPr lang="en-US" sz="1200" b="0" i="0" u="none" strike="noStrike" dirty="0">
+              <a:rPr lang="en-US" sz="1400" b="0" i="0" u="none" strike="noStrike" dirty="0">
                 <a:solidFill>
                   <a:srgbClr val="FFFFFF"/>
                 </a:solidFill>
                 <a:effectLst/>
-                <a:latin typeface="Fira Sans" panose="020B0604020202020204" charset="0"/>
-              </a:rPr>
-              <a:t>Replica A: [its own counter][counter from replica B][C][D][E][F][G]</a:t>
-            </a:r>
-          </a:p>
-          <a:p>
-            <a:pPr marL="742950" lvl="1" indent="-285750" rtl="0" fontAlgn="base">
-              <a:spcBef>
-                <a:spcPts val="0"/>
-              </a:spcBef>
-              <a:spcAft>
-                <a:spcPts val="0"/>
-              </a:spcAft>
-              <a:buFont typeface="Arial" panose="020B0604020202020204" pitchFamily="34" charset="0"/>
-              <a:buChar char="•"/>
+                <a:latin typeface="Calibri" panose="020F0502020204030204" pitchFamily="34" charset="0"/>
+                <a:cs typeface="Calibri" panose="020F0502020204030204" pitchFamily="34" charset="0"/>
+              </a:rPr>
+              <a:t>Data Model: Counter id (K): Single Variable (Approach 1) or List of integers (V) (Approach 2)</a:t>
+            </a:r>
+          </a:p>
+          <a:p>
+            <a:pPr rtl="0" fontAlgn="base">
+              <a:spcBef>
+                <a:spcPts val="0"/>
+              </a:spcBef>
+              <a:spcAft>
+                <a:spcPts val="0"/>
+              </a:spcAft>
             </a:pPr>
             <a:r>
-              <a:rPr lang="en-US" sz="1200" b="0" i="0" u="none" strike="noStrike" dirty="0">
+              <a:rPr lang="en-US" sz="1400" b="0" i="0" u="none" strike="noStrike" dirty="0">
                 <a:solidFill>
                   <a:srgbClr val="FFFFFF"/>
                 </a:solidFill>
                 <a:effectLst/>
-                <a:latin typeface="Fira Sans" panose="020B0604020202020204" charset="0"/>
-              </a:rPr>
-              <a:t>Replica B: [counter from replica A][its own counter][C][D][E][F][G]</a:t>
-            </a:r>
-          </a:p>
-          <a:p>
-            <a:pPr marL="1143000" lvl="2" indent="-228600" rtl="0" fontAlgn="base">
-              <a:spcBef>
-                <a:spcPts val="0"/>
-              </a:spcBef>
-              <a:spcAft>
-                <a:spcPts val="0"/>
-              </a:spcAft>
-              <a:buFont typeface="Arial" panose="020B0604020202020204" pitchFamily="34" charset="0"/>
-              <a:buChar char="•"/>
-            </a:pPr>
-            <a:r>
-              <a:rPr lang="en-US" sz="1200" b="0" i="0" u="none" strike="noStrike" dirty="0">
-                <a:solidFill>
-                  <a:srgbClr val="FFFFFF"/>
-                </a:solidFill>
-                <a:effectLst/>
-                <a:latin typeface="Fira Sans" panose="020B0604020202020204" charset="0"/>
-              </a:rPr>
-              <a:t>B:[3][4][1][0][0][23][1]</a:t>
-            </a:r>
-          </a:p>
-          <a:p>
-            <a:pPr marL="1143000" lvl="2" indent="-228600" rtl="0" fontAlgn="base">
-              <a:spcBef>
-                <a:spcPts val="0"/>
-              </a:spcBef>
-              <a:spcAft>
-                <a:spcPts val="0"/>
-              </a:spcAft>
-              <a:buFont typeface="Arial" panose="020B0604020202020204" pitchFamily="34" charset="0"/>
-              <a:buChar char="•"/>
-            </a:pPr>
-            <a:r>
-              <a:rPr lang="en-US" sz="1200" b="0" i="0" u="none" strike="noStrike" dirty="0">
-                <a:solidFill>
-                  <a:srgbClr val="FFFFFF"/>
-                </a:solidFill>
-                <a:effectLst/>
-                <a:latin typeface="Fira Sans" panose="020B0604020202020204" charset="0"/>
-              </a:rPr>
-              <a:t>From A: [5][1][7][0][0][24][2]</a:t>
-            </a:r>
-          </a:p>
-          <a:p>
-            <a:pPr marL="1143000" lvl="2" indent="-228600" rtl="0" fontAlgn="base">
-              <a:spcBef>
-                <a:spcPts val="0"/>
-              </a:spcBef>
-              <a:spcAft>
-                <a:spcPts val="1600"/>
-              </a:spcAft>
-              <a:buFont typeface="Arial" panose="020B0604020202020204" pitchFamily="34" charset="0"/>
-              <a:buChar char="•"/>
-            </a:pPr>
-            <a:r>
-              <a:rPr lang="en-US" sz="1200" b="0" i="0" u="none" strike="noStrike" dirty="0">
-                <a:solidFill>
-                  <a:srgbClr val="FFFFFF"/>
-                </a:solidFill>
-                <a:effectLst/>
-                <a:latin typeface="Fira Sans" panose="020B0604020202020204" charset="0"/>
-              </a:rPr>
-              <a:t>B:[5][4][7][0][0][24][2]</a:t>
-            </a:r>
-          </a:p>
-          <a:p>
-            <a:pPr rtl="0" fontAlgn="base">
-              <a:spcBef>
-                <a:spcPts val="0"/>
-              </a:spcBef>
-              <a:spcAft>
-                <a:spcPts val="0"/>
-              </a:spcAft>
-            </a:pPr>
-            <a:r>
-              <a:rPr lang="en-US" sz="1200" b="0" i="0" u="none" strike="noStrike" dirty="0">
-                <a:solidFill>
-                  <a:srgbClr val="FFFFFF"/>
-                </a:solidFill>
-                <a:effectLst/>
-                <a:latin typeface="Fira Sans" panose="020B0604020202020204" charset="0"/>
-              </a:rPr>
-              <a:t>Whenever a write is applied to any replica</a:t>
-            </a:r>
-          </a:p>
-          <a:p>
-            <a:pPr marL="742950" lvl="1" indent="-285750" rtl="0" fontAlgn="base">
-              <a:spcBef>
-                <a:spcPts val="0"/>
-              </a:spcBef>
-              <a:spcAft>
-                <a:spcPts val="1600"/>
-              </a:spcAft>
-              <a:buFont typeface="Arial" panose="020B0604020202020204" pitchFamily="34" charset="0"/>
-              <a:buChar char="•"/>
-            </a:pPr>
-            <a:r>
-              <a:rPr lang="en-US" sz="1200" b="0" i="0" u="none" strike="noStrike" dirty="0">
-                <a:solidFill>
-                  <a:srgbClr val="FFFFFF"/>
-                </a:solidFill>
-                <a:effectLst/>
-                <a:latin typeface="Fira Sans" panose="020B0604020202020204" charset="0"/>
-              </a:rPr>
-              <a:t>It increments its own counter and broadcasts the full vector to other replicas</a:t>
-            </a:r>
-            <a:endParaRPr lang="en-US" sz="1200" dirty="0">
+                <a:latin typeface="Calibri" panose="020F0502020204030204" pitchFamily="34" charset="0"/>
+                <a:cs typeface="Calibri" panose="020F0502020204030204" pitchFamily="34" charset="0"/>
+              </a:rPr>
+              <a:t>Storage System: In point memory storage with checkpoints occasionally for disaster recovery</a:t>
+            </a:r>
+          </a:p>
+          <a:p>
+            <a:pPr fontAlgn="base"/>
+            <a:r>
+              <a:rPr lang="en-US" sz="1600" b="1" dirty="0">
+                <a:solidFill>
+                  <a:schemeClr val="bg1"/>
+                </a:solidFill>
+                <a:latin typeface="Calibri" panose="020F0502020204030204" pitchFamily="34" charset="0"/>
+                <a:cs typeface="Calibri" panose="020F0502020204030204" pitchFamily="34" charset="0"/>
+              </a:rPr>
+              <a:t>APIs</a:t>
+            </a:r>
+            <a:endParaRPr lang="en-US" sz="1600" b="1" i="0" u="none" strike="noStrike" dirty="0">
               <a:solidFill>
                 <a:srgbClr val="FFFFFF"/>
               </a:solidFill>
-              <a:latin typeface="Fira Sans" panose="020B0604020202020204" charset="0"/>
+              <a:effectLst/>
+              <a:latin typeface="Calibri" panose="020F0502020204030204" pitchFamily="34" charset="0"/>
+              <a:cs typeface="Calibri" panose="020F0502020204030204" pitchFamily="34" charset="0"/>
             </a:endParaRPr>
           </a:p>
           <a:p>
@@ -7360,365 +6929,237 @@
                 <a:spcPts val="0"/>
               </a:spcBef>
               <a:spcAft>
-                <a:spcPts val="0"/>
-              </a:spcAft>
-              <a:buFont typeface="Arial" panose="020B0604020202020204" pitchFamily="34" charset="0"/>
-              <a:buChar char="•"/>
+                <a:spcPts val="1600"/>
+              </a:spcAft>
             </a:pPr>
             <a:r>
-              <a:rPr lang="en-US" sz="1200" b="0" i="0" u="none" strike="noStrike" dirty="0">
+              <a:rPr lang="en-US" sz="1400" b="0" i="0" u="none" strike="noStrike" dirty="0">
                 <a:solidFill>
                   <a:srgbClr val="FFFFFF"/>
                 </a:solidFill>
                 <a:effectLst/>
-                <a:latin typeface="Fira Sans" panose="020B0604020202020204" charset="0"/>
-              </a:rPr>
-              <a:t>On receiving a message from other replica</a:t>
-            </a:r>
-          </a:p>
-          <a:p>
-            <a:pPr marL="742950" lvl="1" indent="-285750" rtl="0" fontAlgn="base">
-              <a:spcBef>
-                <a:spcPts val="0"/>
-              </a:spcBef>
-              <a:spcAft>
-                <a:spcPts val="0"/>
-              </a:spcAft>
-              <a:buFont typeface="Arial" panose="020B0604020202020204" pitchFamily="34" charset="0"/>
-              <a:buChar char="•"/>
+                <a:latin typeface="Calibri" panose="020F0502020204030204" pitchFamily="34" charset="0"/>
+                <a:cs typeface="Calibri" panose="020F0502020204030204" pitchFamily="34" charset="0"/>
+              </a:rPr>
+              <a:t>All APIs are handled through in-memory storage. API Signature</a:t>
+            </a:r>
+          </a:p>
+          <a:p>
+            <a:pPr marL="914400" lvl="1" indent="-317500" algn="l" rtl="0">
+              <a:spcBef>
+                <a:spcPts val="0"/>
+              </a:spcBef>
+              <a:spcAft>
+                <a:spcPts val="0"/>
+              </a:spcAft>
+              <a:buSzPts val="1400"/>
+              <a:buChar char="○"/>
             </a:pPr>
             <a:r>
-              <a:rPr lang="en-US" sz="1200" b="0" i="0" u="none" strike="noStrike" dirty="0">
+              <a:rPr lang="en-US" sz="1400" dirty="0" err="1">
+                <a:solidFill>
+                  <a:schemeClr val="bg1"/>
+                </a:solidFill>
+                <a:latin typeface="Calibri" panose="020F0502020204030204" pitchFamily="34" charset="0"/>
+                <a:cs typeface="Calibri" panose="020F0502020204030204" pitchFamily="34" charset="0"/>
+              </a:rPr>
+              <a:t>IncrementCounter</a:t>
+            </a:r>
+            <a:r>
+              <a:rPr lang="en-US" sz="1400" dirty="0">
+                <a:solidFill>
+                  <a:schemeClr val="bg1"/>
+                </a:solidFill>
+                <a:latin typeface="Calibri" panose="020F0502020204030204" pitchFamily="34" charset="0"/>
+                <a:cs typeface="Calibri" panose="020F0502020204030204" pitchFamily="34" charset="0"/>
+              </a:rPr>
+              <a:t>: Hash on one of the entries in the list and increment (Single Variable is simple)</a:t>
+            </a:r>
+          </a:p>
+          <a:p>
+            <a:pPr marL="914400" lvl="1" indent="-317500" algn="l" rtl="0">
+              <a:spcBef>
+                <a:spcPts val="0"/>
+              </a:spcBef>
+              <a:spcAft>
+                <a:spcPts val="0"/>
+              </a:spcAft>
+              <a:buSzPts val="1400"/>
+              <a:buChar char="○"/>
+            </a:pPr>
+            <a:r>
+              <a:rPr lang="en-US" sz="1400" dirty="0" err="1">
+                <a:solidFill>
+                  <a:schemeClr val="bg1"/>
+                </a:solidFill>
+                <a:latin typeface="Calibri" panose="020F0502020204030204" pitchFamily="34" charset="0"/>
+                <a:cs typeface="Calibri" panose="020F0502020204030204" pitchFamily="34" charset="0"/>
+              </a:rPr>
+              <a:t>ReadCounter</a:t>
+            </a:r>
+            <a:r>
+              <a:rPr lang="en-US" sz="1400" dirty="0">
+                <a:solidFill>
+                  <a:schemeClr val="bg1"/>
+                </a:solidFill>
+                <a:latin typeface="Calibri" panose="020F0502020204030204" pitchFamily="34" charset="0"/>
+                <a:cs typeface="Calibri" panose="020F0502020204030204" pitchFamily="34" charset="0"/>
+              </a:rPr>
+              <a:t>: Sum total of integer entries in the list</a:t>
+            </a:r>
+            <a:endParaRPr lang="en-US" sz="1400" b="0" i="0" u="none" strike="noStrike" dirty="0">
+              <a:solidFill>
+                <a:srgbClr val="FFFFFF"/>
+              </a:solidFill>
+              <a:effectLst/>
+              <a:latin typeface="Calibri" panose="020F0502020204030204" pitchFamily="34" charset="0"/>
+              <a:cs typeface="Calibri" panose="020F0502020204030204" pitchFamily="34" charset="0"/>
+            </a:endParaRPr>
+          </a:p>
+          <a:p>
+            <a:pPr rtl="0" fontAlgn="base">
+              <a:spcBef>
+                <a:spcPts val="0"/>
+              </a:spcBef>
+              <a:spcAft>
+                <a:spcPts val="1600"/>
+              </a:spcAft>
+            </a:pPr>
+            <a:r>
+              <a:rPr lang="en-US" sz="2000" b="1" dirty="0">
                 <a:solidFill>
                   <a:srgbClr val="FFFFFF"/>
                 </a:solidFill>
+                <a:latin typeface="Calibri" panose="020F0502020204030204" pitchFamily="34" charset="0"/>
+                <a:cs typeface="Calibri" panose="020F0502020204030204" pitchFamily="34" charset="0"/>
+              </a:rPr>
+              <a:t>Thoughts on Scalability</a:t>
+            </a:r>
+          </a:p>
+          <a:p>
+            <a:pPr rtl="0" fontAlgn="base">
+              <a:spcBef>
+                <a:spcPts val="0"/>
+              </a:spcBef>
+              <a:spcAft>
+                <a:spcPts val="1600"/>
+              </a:spcAft>
+            </a:pPr>
+            <a:r>
+              <a:rPr lang="en-US" sz="1400" i="0" u="none" strike="noStrike" dirty="0">
+                <a:solidFill>
+                  <a:srgbClr val="FFFFFF"/>
+                </a:solidFill>
                 <a:effectLst/>
-                <a:latin typeface="Fira Sans" panose="020B0604020202020204" charset="0"/>
-              </a:rPr>
-              <a:t>The replica compares each entry in its own vector with that in the message</a:t>
-            </a:r>
-          </a:p>
-          <a:p>
-            <a:pPr marL="742950" lvl="1" indent="-285750" rtl="0" fontAlgn="base">
-              <a:spcBef>
-                <a:spcPts val="0"/>
-              </a:spcBef>
-              <a:spcAft>
-                <a:spcPts val="0"/>
-              </a:spcAft>
-              <a:buFont typeface="Arial" panose="020B0604020202020204" pitchFamily="34" charset="0"/>
-              <a:buChar char="•"/>
-            </a:pPr>
-            <a:r>
-              <a:rPr lang="en-US" sz="1200" b="0" i="0" u="none" strike="noStrike" dirty="0">
+                <a:latin typeface="Calibri" panose="020F0502020204030204" pitchFamily="34" charset="0"/>
+                <a:cs typeface="Calibri" panose="020F0502020204030204" pitchFamily="34" charset="0"/>
+              </a:rPr>
+              <a:t>Need to scale for API parallelization – Yes</a:t>
+            </a:r>
+            <a:br>
+              <a:rPr lang="en-US" sz="1400" i="0" u="none" strike="noStrike" dirty="0">
                 <a:solidFill>
                   <a:srgbClr val="FFFFFF"/>
                 </a:solidFill>
                 <a:effectLst/>
-                <a:latin typeface="Fira Sans" panose="020B0604020202020204" charset="0"/>
-              </a:rPr>
-              <a:t>For (</a:t>
-            </a:r>
-            <a:r>
-              <a:rPr lang="en-US" sz="1200" b="0" i="0" u="none" strike="noStrike" dirty="0" err="1">
+                <a:latin typeface="Calibri" panose="020F0502020204030204" pitchFamily="34" charset="0"/>
+                <a:cs typeface="Calibri" panose="020F0502020204030204" pitchFamily="34" charset="0"/>
+              </a:rPr>
+            </a:br>
+            <a:r>
+              <a:rPr lang="en-US" sz="1400" i="0" u="none" strike="noStrike" dirty="0">
                 <a:solidFill>
                   <a:srgbClr val="FFFFFF"/>
                 </a:solidFill>
                 <a:effectLst/>
-                <a:latin typeface="Fira Sans" panose="020B0604020202020204" charset="0"/>
-              </a:rPr>
-              <a:t>i</a:t>
-            </a:r>
-            <a:r>
-              <a:rPr lang="en-US" sz="1200" b="0" i="0" u="none" strike="noStrike" dirty="0">
+                <a:latin typeface="Calibri" panose="020F0502020204030204" pitchFamily="34" charset="0"/>
+                <a:cs typeface="Calibri" panose="020F0502020204030204" pitchFamily="34" charset="0"/>
+              </a:rPr>
+              <a:t>Read is an O(N) algorithm</a:t>
+            </a:r>
+            <a:br>
+              <a:rPr lang="en-US" sz="1400" i="0" u="none" strike="noStrike" dirty="0">
                 <a:solidFill>
                   <a:srgbClr val="FFFFFF"/>
                 </a:solidFill>
                 <a:effectLst/>
-                <a:latin typeface="Fira Sans" panose="020B0604020202020204" charset="0"/>
-              </a:rPr>
-              <a:t> = 0; </a:t>
-            </a:r>
-            <a:r>
-              <a:rPr lang="en-US" sz="1200" b="0" i="0" u="none" strike="noStrike" dirty="0" err="1">
+                <a:latin typeface="Calibri" panose="020F0502020204030204" pitchFamily="34" charset="0"/>
+                <a:cs typeface="Calibri" panose="020F0502020204030204" pitchFamily="34" charset="0"/>
+              </a:rPr>
+            </a:br>
+            <a:r>
+              <a:rPr lang="en-US" sz="1400" b="0" i="0" u="none" strike="noStrike" dirty="0">
                 <a:solidFill>
                   <a:srgbClr val="FFFFFF"/>
                 </a:solidFill>
                 <a:effectLst/>
-                <a:latin typeface="Fira Sans" panose="020B0604020202020204" charset="0"/>
-              </a:rPr>
-              <a:t>i</a:t>
-            </a:r>
-            <a:r>
-              <a:rPr lang="en-US" sz="1200" b="0" i="0" u="none" strike="noStrike" dirty="0">
+                <a:latin typeface="Calibri" panose="020F0502020204030204" pitchFamily="34" charset="0"/>
+                <a:cs typeface="Calibri" panose="020F0502020204030204" pitchFamily="34" charset="0"/>
+              </a:rPr>
+              <a:t>Need to scale for throughput – Yes</a:t>
+            </a:r>
+            <a:br>
+              <a:rPr lang="en-US" sz="1400" b="0" i="0" u="none" strike="noStrike" dirty="0">
                 <a:solidFill>
                   <a:srgbClr val="FFFFFF"/>
                 </a:solidFill>
                 <a:effectLst/>
-                <a:latin typeface="Fira Sans" panose="020B0604020202020204" charset="0"/>
-              </a:rPr>
-              <a:t> &lt; 7; ++</a:t>
-            </a:r>
-            <a:r>
-              <a:rPr lang="en-US" sz="1200" b="0" i="0" u="none" strike="noStrike" dirty="0" err="1">
+                <a:latin typeface="Calibri" panose="020F0502020204030204" pitchFamily="34" charset="0"/>
+                <a:cs typeface="Calibri" panose="020F0502020204030204" pitchFamily="34" charset="0"/>
+              </a:rPr>
+            </a:br>
+            <a:r>
+              <a:rPr lang="en-US" sz="1400" b="0" i="0" u="none" strike="noStrike" dirty="0">
                 <a:solidFill>
                   <a:srgbClr val="FFFFFF"/>
                 </a:solidFill>
                 <a:effectLst/>
-                <a:latin typeface="Fira Sans" panose="020B0604020202020204" charset="0"/>
-              </a:rPr>
-              <a:t>i</a:t>
-            </a:r>
-            <a:r>
-              <a:rPr lang="en-US" sz="1200" b="0" i="0" u="none" strike="noStrike" dirty="0">
+                <a:latin typeface="Calibri" panose="020F0502020204030204" pitchFamily="34" charset="0"/>
+                <a:cs typeface="Calibri" panose="020F0502020204030204" pitchFamily="34" charset="0"/>
+              </a:rPr>
+              <a:t>Need to scale for API parallelization – No</a:t>
+            </a:r>
+            <a:br>
+              <a:rPr lang="en-US" sz="1400" b="0" i="0" u="none" strike="noStrike" dirty="0">
                 <a:solidFill>
                   <a:srgbClr val="FFFFFF"/>
                 </a:solidFill>
                 <a:effectLst/>
-                <a:latin typeface="Fira Sans" panose="020B0604020202020204" charset="0"/>
-              </a:rPr>
-              <a:t>) </a:t>
-            </a:r>
-          </a:p>
-          <a:p>
-            <a:pPr marL="1143000" lvl="2" indent="-228600" rtl="0" fontAlgn="base">
-              <a:spcBef>
-                <a:spcPts val="0"/>
-              </a:spcBef>
-              <a:spcAft>
-                <a:spcPts val="1600"/>
-              </a:spcAft>
-              <a:buFont typeface="Arial" panose="020B0604020202020204" pitchFamily="34" charset="0"/>
-              <a:buChar char="•"/>
-            </a:pPr>
-            <a:r>
-              <a:rPr lang="en-US" sz="1200" b="0" i="0" u="none" strike="noStrike" dirty="0">
+                <a:latin typeface="Calibri" panose="020F0502020204030204" pitchFamily="34" charset="0"/>
+                <a:cs typeface="Calibri" panose="020F0502020204030204" pitchFamily="34" charset="0"/>
+              </a:rPr>
+            </a:br>
+            <a:r>
+              <a:rPr lang="en-US" sz="1400" b="0" i="0" u="none" strike="noStrike" dirty="0">
                 <a:solidFill>
                   <a:srgbClr val="FFFFFF"/>
                 </a:solidFill>
                 <a:effectLst/>
-                <a:latin typeface="Fira Sans" panose="020B0604020202020204" charset="0"/>
-              </a:rPr>
-              <a:t>If (</a:t>
-            </a:r>
-            <a:r>
-              <a:rPr lang="en-US" sz="1200" b="0" i="0" u="none" strike="noStrike" dirty="0" err="1">
+                <a:latin typeface="Calibri" panose="020F0502020204030204" pitchFamily="34" charset="0"/>
+                <a:cs typeface="Calibri" panose="020F0502020204030204" pitchFamily="34" charset="0"/>
+              </a:rPr>
+              <a:t>Availability – yes</a:t>
+            </a:r>
+            <a:br>
+              <a:rPr lang="en-US" sz="1400" b="0" i="0" u="none" strike="noStrike" dirty="0">
                 <a:solidFill>
                   <a:srgbClr val="FFFFFF"/>
                 </a:solidFill>
                 <a:effectLst/>
-                <a:latin typeface="Fira Sans" panose="020B0604020202020204" charset="0"/>
-              </a:rPr>
-              <a:t>ownvector</a:t>
-            </a:r>
-            <a:r>
-              <a:rPr lang="en-US" sz="1200" b="0" i="0" u="none" strike="noStrike" dirty="0">
+                <a:latin typeface="Calibri" panose="020F0502020204030204" pitchFamily="34" charset="0"/>
+                <a:cs typeface="Calibri" panose="020F0502020204030204" pitchFamily="34" charset="0"/>
+              </a:rPr>
+            </a:br>
+            <a:r>
+              <a:rPr lang="en-US" sz="1400" b="0" i="0" u="none" strike="noStrike" dirty="0">
                 <a:solidFill>
                   <a:srgbClr val="FFFFFF"/>
                 </a:solidFill>
                 <a:effectLst/>
-                <a:latin typeface="Fira Sans" panose="020B0604020202020204" charset="0"/>
-              </a:rPr>
-              <a:t>[</a:t>
-            </a:r>
-            <a:r>
-              <a:rPr lang="en-US" sz="1200" b="0" i="0" u="none" strike="noStrike" dirty="0" err="1">
-                <a:solidFill>
-                  <a:srgbClr val="FFFFFF"/>
-                </a:solidFill>
-                <a:effectLst/>
-                <a:latin typeface="Fira Sans" panose="020B0604020202020204" charset="0"/>
-              </a:rPr>
-              <a:t>i</a:t>
-            </a:r>
-            <a:r>
-              <a:rPr lang="en-US" sz="1200" b="0" i="0" u="none" strike="noStrike" dirty="0">
-                <a:solidFill>
-                  <a:srgbClr val="FFFFFF"/>
-                </a:solidFill>
-                <a:effectLst/>
-                <a:latin typeface="Fira Sans" panose="020B0604020202020204" charset="0"/>
-              </a:rPr>
-              <a:t>] &lt; </a:t>
-            </a:r>
-            <a:r>
-              <a:rPr lang="en-US" sz="1200" b="0" i="0" u="none" strike="noStrike" dirty="0" err="1">
-                <a:solidFill>
-                  <a:srgbClr val="FFFFFF"/>
-                </a:solidFill>
-                <a:effectLst/>
-                <a:latin typeface="Fira Sans" panose="020B0604020202020204" charset="0"/>
-              </a:rPr>
-              <a:t>messagevector</a:t>
-            </a:r>
-            <a:r>
-              <a:rPr lang="en-US" sz="1200" b="0" i="0" u="none" strike="noStrike" dirty="0">
-                <a:solidFill>
-                  <a:srgbClr val="FFFFFF"/>
-                </a:solidFill>
-                <a:effectLst/>
-                <a:latin typeface="Fira Sans" panose="020B0604020202020204" charset="0"/>
-              </a:rPr>
-              <a:t>[</a:t>
-            </a:r>
-            <a:r>
-              <a:rPr lang="en-US" sz="1200" b="0" i="0" u="none" strike="noStrike" dirty="0" err="1">
-                <a:solidFill>
-                  <a:srgbClr val="FFFFFF"/>
-                </a:solidFill>
-                <a:effectLst/>
-                <a:latin typeface="Fira Sans" panose="020B0604020202020204" charset="0"/>
-              </a:rPr>
-              <a:t>i</a:t>
-            </a:r>
-            <a:r>
-              <a:rPr lang="en-US" sz="1200" b="0" i="0" u="none" strike="noStrike" dirty="0">
-                <a:solidFill>
-                  <a:srgbClr val="FFFFFF"/>
-                </a:solidFill>
-                <a:effectLst/>
-                <a:latin typeface="Fira Sans" panose="020B0604020202020204" charset="0"/>
-              </a:rPr>
-              <a:t>]) </a:t>
-            </a:r>
-            <a:r>
-              <a:rPr lang="en-US" sz="1200" b="0" i="0" u="none" strike="noStrike" dirty="0" err="1">
-                <a:solidFill>
-                  <a:srgbClr val="FFFFFF"/>
-                </a:solidFill>
-                <a:effectLst/>
-                <a:latin typeface="Fira Sans" panose="020B0604020202020204" charset="0"/>
-              </a:rPr>
-              <a:t>ownvector</a:t>
-            </a:r>
-            <a:r>
-              <a:rPr lang="en-US" sz="1200" b="0" i="0" u="none" strike="noStrike" dirty="0">
-                <a:solidFill>
-                  <a:srgbClr val="FFFFFF"/>
-                </a:solidFill>
-                <a:effectLst/>
-                <a:latin typeface="Fira Sans" panose="020B0604020202020204" charset="0"/>
-              </a:rPr>
-              <a:t>[</a:t>
-            </a:r>
-            <a:r>
-              <a:rPr lang="en-US" sz="1200" b="0" i="0" u="none" strike="noStrike" dirty="0" err="1">
-                <a:solidFill>
-                  <a:srgbClr val="FFFFFF"/>
-                </a:solidFill>
-                <a:effectLst/>
-                <a:latin typeface="Fira Sans" panose="020B0604020202020204" charset="0"/>
-              </a:rPr>
-              <a:t>i</a:t>
-            </a:r>
-            <a:r>
-              <a:rPr lang="en-US" sz="1200" b="0" i="0" u="none" strike="noStrike" dirty="0">
-                <a:solidFill>
-                  <a:srgbClr val="FFFFFF"/>
-                </a:solidFill>
-                <a:effectLst/>
-                <a:latin typeface="Fira Sans" panose="020B0604020202020204" charset="0"/>
-              </a:rPr>
-              <a:t>] = </a:t>
-            </a:r>
-            <a:r>
-              <a:rPr lang="en-US" sz="1200" b="0" i="0" u="none" strike="noStrike" dirty="0" err="1">
-                <a:solidFill>
-                  <a:srgbClr val="FFFFFF"/>
-                </a:solidFill>
-                <a:effectLst/>
-                <a:latin typeface="Fira Sans" panose="020B0604020202020204" charset="0"/>
-              </a:rPr>
-              <a:t>messagevector</a:t>
-            </a:r>
-            <a:r>
-              <a:rPr lang="en-US" sz="1200" b="0" i="0" u="none" strike="noStrike" dirty="0">
-                <a:solidFill>
-                  <a:srgbClr val="FFFFFF"/>
-                </a:solidFill>
-                <a:effectLst/>
-                <a:latin typeface="Fira Sans" panose="020B0604020202020204" charset="0"/>
-              </a:rPr>
-              <a:t>[</a:t>
-            </a:r>
-            <a:r>
-              <a:rPr lang="en-US" sz="1200" b="0" i="0" u="none" strike="noStrike" dirty="0" err="1">
-                <a:solidFill>
-                  <a:srgbClr val="FFFFFF"/>
-                </a:solidFill>
-                <a:effectLst/>
-                <a:latin typeface="Fira Sans" panose="020B0604020202020204" charset="0"/>
-              </a:rPr>
-              <a:t>i</a:t>
-            </a:r>
-            <a:r>
-              <a:rPr lang="en-US" sz="1200" b="0" i="0" u="none" strike="noStrike" dirty="0">
-                <a:solidFill>
-                  <a:srgbClr val="FFFFFF"/>
-                </a:solidFill>
-                <a:effectLst/>
-                <a:latin typeface="Fira Sans" panose="020B0604020202020204" charset="0"/>
-              </a:rPr>
-              <a:t>];</a:t>
-            </a:r>
-            <a:br>
-              <a:rPr lang="en-US" sz="1600" b="0" dirty="0">
-                <a:effectLst/>
-              </a:rPr>
-            </a:br>
-            <a:r>
-              <a:rPr lang="en-US" sz="1200" b="0" i="0" u="none" strike="noStrike" dirty="0">
-                <a:solidFill>
-                  <a:srgbClr val="FFFFFF"/>
-                </a:solidFill>
-                <a:effectLst/>
-                <a:latin typeface="Fira Sans" panose="020B0604020202020204" charset="0"/>
-              </a:rPr>
-              <a:t>Very easy to resolve conflict using the above function</a:t>
-            </a:r>
-          </a:p>
-          <a:p>
-            <a:pPr marL="742950" lvl="1" indent="-285750" rtl="0" fontAlgn="base">
-              <a:spcBef>
-                <a:spcPts val="0"/>
-              </a:spcBef>
-              <a:spcAft>
-                <a:spcPts val="0"/>
-              </a:spcAft>
-              <a:buFont typeface="Arial" panose="020B0604020202020204" pitchFamily="34" charset="0"/>
-              <a:buChar char="•"/>
-            </a:pPr>
-            <a:r>
-              <a:rPr lang="en-US" sz="1200" b="0" i="0" u="none" strike="noStrike" dirty="0">
-                <a:solidFill>
-                  <a:srgbClr val="FFFFFF"/>
-                </a:solidFill>
-                <a:effectLst/>
-                <a:latin typeface="Fira Sans" panose="020B0604020202020204" charset="0"/>
-              </a:rPr>
-              <a:t>Counters will always increment. If a counter from another replica is larger than the same counter in my replica, the other counter is more current, because counters are temporally incremental</a:t>
-            </a:r>
-          </a:p>
-          <a:p>
-            <a:pPr marL="742950" lvl="1" indent="-285750" rtl="0" fontAlgn="base">
-              <a:spcBef>
-                <a:spcPts val="0"/>
-              </a:spcBef>
-              <a:spcAft>
-                <a:spcPts val="1600"/>
-              </a:spcAft>
-              <a:buFont typeface="Arial" panose="020B0604020202020204" pitchFamily="34" charset="0"/>
-              <a:buChar char="•"/>
-            </a:pPr>
-            <a:r>
-              <a:rPr lang="en-US" sz="1200" b="0" i="0" u="none" strike="noStrike" dirty="0">
-                <a:solidFill>
-                  <a:srgbClr val="FFFFFF"/>
-                </a:solidFill>
-                <a:effectLst/>
-                <a:latin typeface="Fira Sans" panose="020B0604020202020204" charset="0"/>
-              </a:rPr>
-              <a:t>Which is why, it is called Conflict-Free Replicated Data Type</a:t>
+                <a:latin typeface="Calibri" panose="020F0502020204030204" pitchFamily="34" charset="0"/>
+                <a:cs typeface="Calibri" panose="020F0502020204030204" pitchFamily="34" charset="0"/>
+              </a:rPr>
+              <a:t>Geo-distribution - N/A</a:t>
             </a:r>
           </a:p>
         </p:txBody>
@@ -7726,7 +7167,7 @@
     </p:spTree>
     <p:extLst>
       <p:ext uri="{BB962C8B-B14F-4D97-AF65-F5344CB8AC3E}">
-        <p14:creationId xmlns:p14="http://schemas.microsoft.com/office/powerpoint/2010/main" val="478286821"/>
+        <p14:creationId xmlns:p14="http://schemas.microsoft.com/office/powerpoint/2010/main" val="1525271012"/>
       </p:ext>
     </p:extLst>
   </p:cSld>
@@ -7798,6 +7239,679 @@
                 <a:latin typeface="Calibri" panose="020F0502020204030204" pitchFamily="34" charset="0"/>
                 <a:cs typeface="Calibri" panose="020F0502020204030204" pitchFamily="34" charset="0"/>
               </a:rPr>
+              <a:t>Conflict Free Related Data Type</a:t>
+            </a:r>
+            <a:endParaRPr sz="4000" dirty="0">
+              <a:latin typeface="Calibri" panose="020F0502020204030204" pitchFamily="34" charset="0"/>
+              <a:cs typeface="Calibri" panose="020F0502020204030204" pitchFamily="34" charset="0"/>
+            </a:endParaRPr>
+          </a:p>
+        </p:txBody>
+      </p:sp>
+      <p:sp>
+        <p:nvSpPr>
+          <p:cNvPr id="6" name="TextBox 5">
+            <a:extLst>
+              <a:ext uri="{FF2B5EF4-FFF2-40B4-BE49-F238E27FC236}">
+                <a16:creationId xmlns:a16="http://schemas.microsoft.com/office/drawing/2014/main" id="{78D43C64-9B09-476F-8BF4-23AFB1047CE0}"/>
+              </a:ext>
+            </a:extLst>
+          </p:cNvPr>
+          <p:cNvSpPr txBox="1"/>
+          <p:nvPr/>
+        </p:nvSpPr>
+        <p:spPr>
+          <a:xfrm>
+            <a:off x="706437" y="807609"/>
+            <a:ext cx="7731124" cy="4052391"/>
+          </a:xfrm>
+          <a:prstGeom prst="rect">
+            <a:avLst/>
+          </a:prstGeom>
+          <a:noFill/>
+        </p:spPr>
+        <p:txBody>
+          <a:bodyPr wrap="square" rtlCol="0">
+            <a:spAutoFit/>
+          </a:bodyPr>
+          <a:lstStyle/>
+          <a:p>
+            <a:pPr rtl="0" fontAlgn="base">
+              <a:spcBef>
+                <a:spcPts val="0"/>
+              </a:spcBef>
+              <a:spcAft>
+                <a:spcPts val="1600"/>
+              </a:spcAft>
+            </a:pPr>
+            <a:r>
+              <a:rPr lang="en-US" sz="1200" b="0" i="0" u="none" strike="noStrike" dirty="0">
+                <a:solidFill>
+                  <a:srgbClr val="FFFFFF"/>
+                </a:solidFill>
+                <a:effectLst/>
+                <a:latin typeface="Fira Sans" panose="020B0604020202020204" charset="0"/>
+              </a:rPr>
+              <a:t>Each replica maintains a vector of counts</a:t>
+            </a:r>
+            <a:br>
+              <a:rPr lang="en-US" sz="1600" b="0" dirty="0">
+                <a:effectLst/>
+              </a:rPr>
+            </a:br>
+            <a:r>
+              <a:rPr lang="en-US" sz="1200" b="0" i="0" u="none" strike="noStrike" dirty="0">
+                <a:solidFill>
+                  <a:srgbClr val="FFFFFF"/>
+                </a:solidFill>
+                <a:effectLst/>
+                <a:latin typeface="Fira Sans" panose="020B0604020202020204" charset="0"/>
+              </a:rPr>
+              <a:t>Let’s assume there are 7 replicas</a:t>
+            </a:r>
+          </a:p>
+          <a:p>
+            <a:pPr marL="742950" lvl="1" indent="-285750" rtl="0" fontAlgn="base">
+              <a:spcBef>
+                <a:spcPts val="0"/>
+              </a:spcBef>
+              <a:spcAft>
+                <a:spcPts val="0"/>
+              </a:spcAft>
+              <a:buFont typeface="Arial" panose="020B0604020202020204" pitchFamily="34" charset="0"/>
+              <a:buChar char="•"/>
+            </a:pPr>
+            <a:r>
+              <a:rPr lang="en-US" sz="1200" b="0" i="0" u="none" strike="noStrike" dirty="0">
+                <a:solidFill>
+                  <a:srgbClr val="FFFFFF"/>
+                </a:solidFill>
+                <a:effectLst/>
+                <a:latin typeface="Fira Sans" panose="020B0604020202020204" charset="0"/>
+              </a:rPr>
+              <a:t>Replica A: [its own counter][counter from replica B][C][D][E][F][G]</a:t>
+            </a:r>
+          </a:p>
+          <a:p>
+            <a:pPr marL="742950" lvl="1" indent="-285750" rtl="0" fontAlgn="base">
+              <a:spcBef>
+                <a:spcPts val="0"/>
+              </a:spcBef>
+              <a:spcAft>
+                <a:spcPts val="0"/>
+              </a:spcAft>
+              <a:buFont typeface="Arial" panose="020B0604020202020204" pitchFamily="34" charset="0"/>
+              <a:buChar char="•"/>
+            </a:pPr>
+            <a:r>
+              <a:rPr lang="en-US" sz="1200" b="0" i="0" u="none" strike="noStrike" dirty="0">
+                <a:solidFill>
+                  <a:srgbClr val="FFFFFF"/>
+                </a:solidFill>
+                <a:effectLst/>
+                <a:latin typeface="Fira Sans" panose="020B0604020202020204" charset="0"/>
+              </a:rPr>
+              <a:t>Replica B: [counter from replica A][its own counter][C][D][E][F][G]</a:t>
+            </a:r>
+          </a:p>
+          <a:p>
+            <a:pPr marL="1143000" lvl="2" indent="-228600" rtl="0" fontAlgn="base">
+              <a:spcBef>
+                <a:spcPts val="0"/>
+              </a:spcBef>
+              <a:spcAft>
+                <a:spcPts val="0"/>
+              </a:spcAft>
+              <a:buFont typeface="Arial" panose="020B0604020202020204" pitchFamily="34" charset="0"/>
+              <a:buChar char="•"/>
+            </a:pPr>
+            <a:r>
+              <a:rPr lang="en-US" sz="1200" b="0" i="0" u="none" strike="noStrike" dirty="0">
+                <a:solidFill>
+                  <a:srgbClr val="FFFFFF"/>
+                </a:solidFill>
+                <a:effectLst/>
+                <a:latin typeface="Fira Sans" panose="020B0604020202020204" charset="0"/>
+              </a:rPr>
+              <a:t>B:[3][4][1][0][0][23][1]</a:t>
+            </a:r>
+          </a:p>
+          <a:p>
+            <a:pPr marL="1143000" lvl="2" indent="-228600" rtl="0" fontAlgn="base">
+              <a:spcBef>
+                <a:spcPts val="0"/>
+              </a:spcBef>
+              <a:spcAft>
+                <a:spcPts val="0"/>
+              </a:spcAft>
+              <a:buFont typeface="Arial" panose="020B0604020202020204" pitchFamily="34" charset="0"/>
+              <a:buChar char="•"/>
+            </a:pPr>
+            <a:r>
+              <a:rPr lang="en-US" sz="1200" b="0" i="0" u="none" strike="noStrike" dirty="0">
+                <a:solidFill>
+                  <a:srgbClr val="FFFFFF"/>
+                </a:solidFill>
+                <a:effectLst/>
+                <a:latin typeface="Fira Sans" panose="020B0604020202020204" charset="0"/>
+              </a:rPr>
+              <a:t>From A: [5][1][7][0][0][24][2]</a:t>
+            </a:r>
+          </a:p>
+          <a:p>
+            <a:pPr marL="1143000" lvl="2" indent="-228600" rtl="0" fontAlgn="base">
+              <a:spcBef>
+                <a:spcPts val="0"/>
+              </a:spcBef>
+              <a:spcAft>
+                <a:spcPts val="1600"/>
+              </a:spcAft>
+              <a:buFont typeface="Arial" panose="020B0604020202020204" pitchFamily="34" charset="0"/>
+              <a:buChar char="•"/>
+            </a:pPr>
+            <a:r>
+              <a:rPr lang="en-US" sz="1200" b="0" i="0" u="none" strike="noStrike" dirty="0">
+                <a:solidFill>
+                  <a:srgbClr val="FFFFFF"/>
+                </a:solidFill>
+                <a:effectLst/>
+                <a:latin typeface="Fira Sans" panose="020B0604020202020204" charset="0"/>
+              </a:rPr>
+              <a:t>B:[5][4][7][0][0][24][2]</a:t>
+            </a:r>
+          </a:p>
+          <a:p>
+            <a:pPr rtl="0" fontAlgn="base">
+              <a:spcBef>
+                <a:spcPts val="0"/>
+              </a:spcBef>
+              <a:spcAft>
+                <a:spcPts val="0"/>
+              </a:spcAft>
+            </a:pPr>
+            <a:r>
+              <a:rPr lang="en-US" sz="1200" b="0" i="0" u="none" strike="noStrike" dirty="0">
+                <a:solidFill>
+                  <a:srgbClr val="FFFFFF"/>
+                </a:solidFill>
+                <a:effectLst/>
+                <a:latin typeface="Fira Sans" panose="020B0604020202020204" charset="0"/>
+              </a:rPr>
+              <a:t>Whenever a write is applied to any replica</a:t>
+            </a:r>
+          </a:p>
+          <a:p>
+            <a:pPr marL="742950" lvl="1" indent="-285750" rtl="0" fontAlgn="base">
+              <a:spcBef>
+                <a:spcPts val="0"/>
+              </a:spcBef>
+              <a:spcAft>
+                <a:spcPts val="1600"/>
+              </a:spcAft>
+              <a:buFont typeface="Arial" panose="020B0604020202020204" pitchFamily="34" charset="0"/>
+              <a:buChar char="•"/>
+            </a:pPr>
+            <a:r>
+              <a:rPr lang="en-US" sz="1200" b="0" i="0" u="none" strike="noStrike" dirty="0">
+                <a:solidFill>
+                  <a:srgbClr val="FFFFFF"/>
+                </a:solidFill>
+                <a:effectLst/>
+                <a:latin typeface="Fira Sans" panose="020B0604020202020204" charset="0"/>
+              </a:rPr>
+              <a:t>It increments its own counter and broadcasts the full vector to other replicas</a:t>
+            </a:r>
+            <a:endParaRPr lang="en-US" sz="1200" dirty="0">
+              <a:solidFill>
+                <a:srgbClr val="FFFFFF"/>
+              </a:solidFill>
+              <a:latin typeface="Fira Sans" panose="020B0604020202020204" charset="0"/>
+            </a:endParaRPr>
+          </a:p>
+          <a:p>
+            <a:pPr rtl="0" fontAlgn="base">
+              <a:spcBef>
+                <a:spcPts val="0"/>
+              </a:spcBef>
+              <a:spcAft>
+                <a:spcPts val="0"/>
+              </a:spcAft>
+              <a:buFont typeface="Arial" panose="020B0604020202020204" pitchFamily="34" charset="0"/>
+              <a:buChar char="•"/>
+            </a:pPr>
+            <a:r>
+              <a:rPr lang="en-US" sz="1200" b="0" i="0" u="none" strike="noStrike" dirty="0">
+                <a:solidFill>
+                  <a:srgbClr val="FFFFFF"/>
+                </a:solidFill>
+                <a:effectLst/>
+                <a:latin typeface="Fira Sans" panose="020B0604020202020204" charset="0"/>
+              </a:rPr>
+              <a:t>On receiving a message from other replica</a:t>
+            </a:r>
+          </a:p>
+          <a:p>
+            <a:pPr marL="742950" lvl="1" indent="-285750" rtl="0" fontAlgn="base">
+              <a:spcBef>
+                <a:spcPts val="0"/>
+              </a:spcBef>
+              <a:spcAft>
+                <a:spcPts val="0"/>
+              </a:spcAft>
+              <a:buFont typeface="Arial" panose="020B0604020202020204" pitchFamily="34" charset="0"/>
+              <a:buChar char="•"/>
+            </a:pPr>
+            <a:r>
+              <a:rPr lang="en-US" sz="1200" b="0" i="0" u="none" strike="noStrike" dirty="0">
+                <a:solidFill>
+                  <a:srgbClr val="FFFFFF"/>
+                </a:solidFill>
+                <a:effectLst/>
+                <a:latin typeface="Fira Sans" panose="020B0604020202020204" charset="0"/>
+              </a:rPr>
+              <a:t>The replica compares each entry in its own vector with that in the message</a:t>
+            </a:r>
+          </a:p>
+          <a:p>
+            <a:pPr marL="742950" lvl="1" indent="-285750" rtl="0" fontAlgn="base">
+              <a:spcBef>
+                <a:spcPts val="0"/>
+              </a:spcBef>
+              <a:spcAft>
+                <a:spcPts val="0"/>
+              </a:spcAft>
+              <a:buFont typeface="Arial" panose="020B0604020202020204" pitchFamily="34" charset="0"/>
+              <a:buChar char="•"/>
+            </a:pPr>
+            <a:r>
+              <a:rPr lang="en-US" sz="1200" b="0" i="0" u="none" strike="noStrike" dirty="0">
+                <a:solidFill>
+                  <a:srgbClr val="FFFFFF"/>
+                </a:solidFill>
+                <a:effectLst/>
+                <a:latin typeface="Fira Sans" panose="020B0604020202020204" charset="0"/>
+              </a:rPr>
+              <a:t>For (</a:t>
+            </a:r>
+            <a:r>
+              <a:rPr lang="en-US" sz="1200" b="0" i="0" u="none" strike="noStrike" dirty="0" err="1">
+                <a:solidFill>
+                  <a:srgbClr val="FFFFFF"/>
+                </a:solidFill>
+                <a:effectLst/>
+                <a:latin typeface="Fira Sans" panose="020B0604020202020204" charset="0"/>
+              </a:rPr>
+              <a:t>i</a:t>
+            </a:r>
+            <a:r>
+              <a:rPr lang="en-US" sz="1200" b="0" i="0" u="none" strike="noStrike" dirty="0">
+                <a:solidFill>
+                  <a:srgbClr val="FFFFFF"/>
+                </a:solidFill>
+                <a:effectLst/>
+                <a:latin typeface="Fira Sans" panose="020B0604020202020204" charset="0"/>
+              </a:rPr>
+              <a:t> = 0; </a:t>
+            </a:r>
+            <a:r>
+              <a:rPr lang="en-US" sz="1200" b="0" i="0" u="none" strike="noStrike" dirty="0" err="1">
+                <a:solidFill>
+                  <a:srgbClr val="FFFFFF"/>
+                </a:solidFill>
+                <a:effectLst/>
+                <a:latin typeface="Fira Sans" panose="020B0604020202020204" charset="0"/>
+              </a:rPr>
+              <a:t>i</a:t>
+            </a:r>
+            <a:r>
+              <a:rPr lang="en-US" sz="1200" b="0" i="0" u="none" strike="noStrike" dirty="0">
+                <a:solidFill>
+                  <a:srgbClr val="FFFFFF"/>
+                </a:solidFill>
+                <a:effectLst/>
+                <a:latin typeface="Fira Sans" panose="020B0604020202020204" charset="0"/>
+              </a:rPr>
+              <a:t> &lt; 7; ++</a:t>
+            </a:r>
+            <a:r>
+              <a:rPr lang="en-US" sz="1200" b="0" i="0" u="none" strike="noStrike" dirty="0" err="1">
+                <a:solidFill>
+                  <a:srgbClr val="FFFFFF"/>
+                </a:solidFill>
+                <a:effectLst/>
+                <a:latin typeface="Fira Sans" panose="020B0604020202020204" charset="0"/>
+              </a:rPr>
+              <a:t>i</a:t>
+            </a:r>
+            <a:r>
+              <a:rPr lang="en-US" sz="1200" b="0" i="0" u="none" strike="noStrike" dirty="0">
+                <a:solidFill>
+                  <a:srgbClr val="FFFFFF"/>
+                </a:solidFill>
+                <a:effectLst/>
+                <a:latin typeface="Fira Sans" panose="020B0604020202020204" charset="0"/>
+              </a:rPr>
+              <a:t>) </a:t>
+            </a:r>
+          </a:p>
+          <a:p>
+            <a:pPr marL="1143000" lvl="2" indent="-228600" rtl="0" fontAlgn="base">
+              <a:spcBef>
+                <a:spcPts val="0"/>
+              </a:spcBef>
+              <a:spcAft>
+                <a:spcPts val="1600"/>
+              </a:spcAft>
+              <a:buFont typeface="Arial" panose="020B0604020202020204" pitchFamily="34" charset="0"/>
+              <a:buChar char="•"/>
+            </a:pPr>
+            <a:r>
+              <a:rPr lang="en-US" sz="1200" b="0" i="0" u="none" strike="noStrike" dirty="0">
+                <a:solidFill>
+                  <a:srgbClr val="FFFFFF"/>
+                </a:solidFill>
+                <a:effectLst/>
+                <a:latin typeface="Fira Sans" panose="020B0604020202020204" charset="0"/>
+              </a:rPr>
+              <a:t>If (</a:t>
+            </a:r>
+            <a:r>
+              <a:rPr lang="en-US" sz="1200" b="0" i="0" u="none" strike="noStrike" dirty="0" err="1">
+                <a:solidFill>
+                  <a:srgbClr val="FFFFFF"/>
+                </a:solidFill>
+                <a:effectLst/>
+                <a:latin typeface="Fira Sans" panose="020B0604020202020204" charset="0"/>
+              </a:rPr>
+              <a:t>ownvector</a:t>
+            </a:r>
+            <a:r>
+              <a:rPr lang="en-US" sz="1200" b="0" i="0" u="none" strike="noStrike" dirty="0">
+                <a:solidFill>
+                  <a:srgbClr val="FFFFFF"/>
+                </a:solidFill>
+                <a:effectLst/>
+                <a:latin typeface="Fira Sans" panose="020B0604020202020204" charset="0"/>
+              </a:rPr>
+              <a:t>[</a:t>
+            </a:r>
+            <a:r>
+              <a:rPr lang="en-US" sz="1200" b="0" i="0" u="none" strike="noStrike" dirty="0" err="1">
+                <a:solidFill>
+                  <a:srgbClr val="FFFFFF"/>
+                </a:solidFill>
+                <a:effectLst/>
+                <a:latin typeface="Fira Sans" panose="020B0604020202020204" charset="0"/>
+              </a:rPr>
+              <a:t>i</a:t>
+            </a:r>
+            <a:r>
+              <a:rPr lang="en-US" sz="1200" b="0" i="0" u="none" strike="noStrike" dirty="0">
+                <a:solidFill>
+                  <a:srgbClr val="FFFFFF"/>
+                </a:solidFill>
+                <a:effectLst/>
+                <a:latin typeface="Fira Sans" panose="020B0604020202020204" charset="0"/>
+              </a:rPr>
+              <a:t>] &lt; </a:t>
+            </a:r>
+            <a:r>
+              <a:rPr lang="en-US" sz="1200" b="0" i="0" u="none" strike="noStrike" dirty="0" err="1">
+                <a:solidFill>
+                  <a:srgbClr val="FFFFFF"/>
+                </a:solidFill>
+                <a:effectLst/>
+                <a:latin typeface="Fira Sans" panose="020B0604020202020204" charset="0"/>
+              </a:rPr>
+              <a:t>messagevector</a:t>
+            </a:r>
+            <a:r>
+              <a:rPr lang="en-US" sz="1200" b="0" i="0" u="none" strike="noStrike" dirty="0">
+                <a:solidFill>
+                  <a:srgbClr val="FFFFFF"/>
+                </a:solidFill>
+                <a:effectLst/>
+                <a:latin typeface="Fira Sans" panose="020B0604020202020204" charset="0"/>
+              </a:rPr>
+              <a:t>[</a:t>
+            </a:r>
+            <a:r>
+              <a:rPr lang="en-US" sz="1200" b="0" i="0" u="none" strike="noStrike" dirty="0" err="1">
+                <a:solidFill>
+                  <a:srgbClr val="FFFFFF"/>
+                </a:solidFill>
+                <a:effectLst/>
+                <a:latin typeface="Fira Sans" panose="020B0604020202020204" charset="0"/>
+              </a:rPr>
+              <a:t>i</a:t>
+            </a:r>
+            <a:r>
+              <a:rPr lang="en-US" sz="1200" b="0" i="0" u="none" strike="noStrike" dirty="0">
+                <a:solidFill>
+                  <a:srgbClr val="FFFFFF"/>
+                </a:solidFill>
+                <a:effectLst/>
+                <a:latin typeface="Fira Sans" panose="020B0604020202020204" charset="0"/>
+              </a:rPr>
+              <a:t>]) </a:t>
+            </a:r>
+            <a:r>
+              <a:rPr lang="en-US" sz="1200" b="0" i="0" u="none" strike="noStrike" dirty="0" err="1">
+                <a:solidFill>
+                  <a:srgbClr val="FFFFFF"/>
+                </a:solidFill>
+                <a:effectLst/>
+                <a:latin typeface="Fira Sans" panose="020B0604020202020204" charset="0"/>
+              </a:rPr>
+              <a:t>ownvector</a:t>
+            </a:r>
+            <a:r>
+              <a:rPr lang="en-US" sz="1200" b="0" i="0" u="none" strike="noStrike" dirty="0">
+                <a:solidFill>
+                  <a:srgbClr val="FFFFFF"/>
+                </a:solidFill>
+                <a:effectLst/>
+                <a:latin typeface="Fira Sans" panose="020B0604020202020204" charset="0"/>
+              </a:rPr>
+              <a:t>[</a:t>
+            </a:r>
+            <a:r>
+              <a:rPr lang="en-US" sz="1200" b="0" i="0" u="none" strike="noStrike" dirty="0" err="1">
+                <a:solidFill>
+                  <a:srgbClr val="FFFFFF"/>
+                </a:solidFill>
+                <a:effectLst/>
+                <a:latin typeface="Fira Sans" panose="020B0604020202020204" charset="0"/>
+              </a:rPr>
+              <a:t>i</a:t>
+            </a:r>
+            <a:r>
+              <a:rPr lang="en-US" sz="1200" b="0" i="0" u="none" strike="noStrike" dirty="0">
+                <a:solidFill>
+                  <a:srgbClr val="FFFFFF"/>
+                </a:solidFill>
+                <a:effectLst/>
+                <a:latin typeface="Fira Sans" panose="020B0604020202020204" charset="0"/>
+              </a:rPr>
+              <a:t>] = </a:t>
+            </a:r>
+            <a:r>
+              <a:rPr lang="en-US" sz="1200" b="0" i="0" u="none" strike="noStrike" dirty="0" err="1">
+                <a:solidFill>
+                  <a:srgbClr val="FFFFFF"/>
+                </a:solidFill>
+                <a:effectLst/>
+                <a:latin typeface="Fira Sans" panose="020B0604020202020204" charset="0"/>
+              </a:rPr>
+              <a:t>messagevector</a:t>
+            </a:r>
+            <a:r>
+              <a:rPr lang="en-US" sz="1200" b="0" i="0" u="none" strike="noStrike" dirty="0">
+                <a:solidFill>
+                  <a:srgbClr val="FFFFFF"/>
+                </a:solidFill>
+                <a:effectLst/>
+                <a:latin typeface="Fira Sans" panose="020B0604020202020204" charset="0"/>
+              </a:rPr>
+              <a:t>[</a:t>
+            </a:r>
+            <a:r>
+              <a:rPr lang="en-US" sz="1200" b="0" i="0" u="none" strike="noStrike" dirty="0" err="1">
+                <a:solidFill>
+                  <a:srgbClr val="FFFFFF"/>
+                </a:solidFill>
+                <a:effectLst/>
+                <a:latin typeface="Fira Sans" panose="020B0604020202020204" charset="0"/>
+              </a:rPr>
+              <a:t>i</a:t>
+            </a:r>
+            <a:r>
+              <a:rPr lang="en-US" sz="1200" b="0" i="0" u="none" strike="noStrike" dirty="0">
+                <a:solidFill>
+                  <a:srgbClr val="FFFFFF"/>
+                </a:solidFill>
+                <a:effectLst/>
+                <a:latin typeface="Fira Sans" panose="020B0604020202020204" charset="0"/>
+              </a:rPr>
+              <a:t>];</a:t>
+            </a:r>
+            <a:br>
+              <a:rPr lang="en-US" sz="1600" b="0" dirty="0">
+                <a:effectLst/>
+              </a:rPr>
+            </a:br>
+            <a:r>
+              <a:rPr lang="en-US" sz="1200" b="0" i="0" u="none" strike="noStrike" dirty="0">
+                <a:solidFill>
+                  <a:srgbClr val="FFFFFF"/>
+                </a:solidFill>
+                <a:effectLst/>
+                <a:latin typeface="Fira Sans" panose="020B0604020202020204" charset="0"/>
+              </a:rPr>
+              <a:t>Very easy to resolve conflict using the above function</a:t>
+            </a:r>
+          </a:p>
+          <a:p>
+            <a:pPr marL="742950" lvl="1" indent="-285750" rtl="0" fontAlgn="base">
+              <a:spcBef>
+                <a:spcPts val="0"/>
+              </a:spcBef>
+              <a:spcAft>
+                <a:spcPts val="0"/>
+              </a:spcAft>
+              <a:buFont typeface="Arial" panose="020B0604020202020204" pitchFamily="34" charset="0"/>
+              <a:buChar char="•"/>
+            </a:pPr>
+            <a:r>
+              <a:rPr lang="en-US" sz="1200" b="0" i="0" u="none" strike="noStrike" dirty="0">
+                <a:solidFill>
+                  <a:srgbClr val="FFFFFF"/>
+                </a:solidFill>
+                <a:effectLst/>
+                <a:latin typeface="Fira Sans" panose="020B0604020202020204" charset="0"/>
+              </a:rPr>
+              <a:t>Counters will always increment. If a counter from another replica is larger than the same counter in my replica, the other counter is more current, because counters are temporally incremental</a:t>
+            </a:r>
+          </a:p>
+          <a:p>
+            <a:pPr marL="742950" lvl="1" indent="-285750" rtl="0" fontAlgn="base">
+              <a:spcBef>
+                <a:spcPts val="0"/>
+              </a:spcBef>
+              <a:spcAft>
+                <a:spcPts val="1600"/>
+              </a:spcAft>
+              <a:buFont typeface="Arial" panose="020B0604020202020204" pitchFamily="34" charset="0"/>
+              <a:buChar char="•"/>
+            </a:pPr>
+            <a:r>
+              <a:rPr lang="en-US" sz="1200" b="0" i="0" u="none" strike="noStrike" dirty="0">
+                <a:solidFill>
+                  <a:srgbClr val="FFFFFF"/>
+                </a:solidFill>
+                <a:effectLst/>
+                <a:latin typeface="Fira Sans" panose="020B0604020202020204" charset="0"/>
+              </a:rPr>
+              <a:t>Which is why, it is called Conflict-Free Replicated Data Type</a:t>
+            </a:r>
+          </a:p>
+        </p:txBody>
+      </p:sp>
+    </p:spTree>
+    <p:extLst>
+      <p:ext uri="{BB962C8B-B14F-4D97-AF65-F5344CB8AC3E}">
+        <p14:creationId xmlns:p14="http://schemas.microsoft.com/office/powerpoint/2010/main" val="478286821"/>
+      </p:ext>
+    </p:extLst>
+  </p:cSld>
+  <p:clrMapOvr>
+    <a:masterClrMapping/>
+  </p:clrMapOvr>
+</p:sld>
+</file>
+
+<file path=ppt/slides/slide8.xml><?xml version="1.0" encoding="utf-8"?>
+<p:sld xmlns:a="http://schemas.openxmlformats.org/drawingml/2006/main" xmlns:r="http://schemas.openxmlformats.org/officeDocument/2006/relationships" xmlns:p="http://schemas.openxmlformats.org/presentationml/2006/main">
+  <p:cSld>
+    <p:spTree>
+      <p:nvGrpSpPr>
+        <p:cNvPr id="1" name=""/>
+        <p:cNvGrpSpPr/>
+        <p:nvPr/>
+      </p:nvGrpSpPr>
+      <p:grpSpPr>
+        <a:xfrm>
+          <a:off x="0" y="0"/>
+          <a:ext cx="0" cy="0"/>
+          <a:chOff x="0" y="0"/>
+          <a:chExt cx="0" cy="0"/>
+        </a:xfrm>
+      </p:grpSpPr>
+      <p:sp>
+        <p:nvSpPr>
+          <p:cNvPr id="3" name="Google Shape;104;p24">
+            <a:extLst>
+              <a:ext uri="{FF2B5EF4-FFF2-40B4-BE49-F238E27FC236}">
+                <a16:creationId xmlns:a16="http://schemas.microsoft.com/office/drawing/2014/main" id="{3BB3873D-1379-4D3E-B50B-692C010C18EB}"/>
+              </a:ext>
+            </a:extLst>
+          </p:cNvPr>
+          <p:cNvSpPr txBox="1">
+            <a:spLocks noGrp="1"/>
+          </p:cNvSpPr>
+          <p:nvPr>
+            <p:ph type="ctrTitle"/>
+          </p:nvPr>
+        </p:nvSpPr>
+        <p:spPr>
+          <a:xfrm>
+            <a:off x="706436" y="104138"/>
+            <a:ext cx="7731125" cy="703471"/>
+          </a:xfrm>
+          <a:prstGeom prst="rect">
+            <a:avLst/>
+          </a:prstGeom>
+        </p:spPr>
+        <p:txBody>
+          <a:bodyPr spcFirstLastPara="1" wrap="square" lIns="91425" tIns="91425" rIns="91425" bIns="91425" anchor="t" anchorCtr="0">
+            <a:noAutofit/>
+          </a:bodyPr>
+          <a:lstStyle/>
+          <a:p>
+            <a:pPr marL="0" lvl="0" indent="0" algn="ctr" rtl="0">
+              <a:spcBef>
+                <a:spcPts val="0"/>
+              </a:spcBef>
+              <a:spcAft>
+                <a:spcPts val="0"/>
+              </a:spcAft>
+              <a:buNone/>
+            </a:pPr>
+            <a:r>
+              <a:rPr lang="en" sz="4000" dirty="0">
+                <a:latin typeface="Calibri" panose="020F0502020204030204" pitchFamily="34" charset="0"/>
+                <a:cs typeface="Calibri" panose="020F0502020204030204" pitchFamily="34" charset="0"/>
+              </a:rPr>
               <a:t>Scaling Proposed Solution</a:t>
             </a:r>
             <a:endParaRPr sz="4000" dirty="0">
@@ -8062,7 +8176,7 @@
 </p:sld>
 </file>
 
-<file path=ppt/slides/slide8.xml><?xml version="1.0" encoding="utf-8"?>
+<file path=ppt/slides/slide9.xml><?xml version="1.0" encoding="utf-8"?>
 <p:sld xmlns:a="http://schemas.openxmlformats.org/drawingml/2006/main" xmlns:r="http://schemas.openxmlformats.org/officeDocument/2006/relationships" xmlns:p="http://schemas.openxmlformats.org/presentationml/2006/main">
   <p:cSld>
     <p:spTree>
